--- a/Plan/Plan Presentation 2.pptx
+++ b/Plan/Plan Presentation 2.pptx
@@ -5,7 +5,7 @@
     <p:sldMasterId id="2147483659" r:id="rId1"/>
   </p:sldMasterIdLst>
   <p:notesMasterIdLst>
-    <p:notesMasterId r:id="rId13"/>
+    <p:notesMasterId r:id="rId9"/>
   </p:notesMasterIdLst>
   <p:sldIdLst>
     <p:sldId id="256" r:id="rId2"/>
@@ -14,28 +14,24 @@
     <p:sldId id="265" r:id="rId5"/>
     <p:sldId id="266" r:id="rId6"/>
     <p:sldId id="267" r:id="rId7"/>
-    <p:sldId id="259" r:id="rId8"/>
-    <p:sldId id="260" r:id="rId9"/>
-    <p:sldId id="261" r:id="rId10"/>
-    <p:sldId id="262" r:id="rId11"/>
-    <p:sldId id="263" r:id="rId12"/>
+    <p:sldId id="263" r:id="rId8"/>
   </p:sldIdLst>
   <p:sldSz cx="9144000" cy="5143500" type="screen16x9"/>
   <p:notesSz cx="6858000" cy="9144000"/>
   <p:embeddedFontLst>
     <p:embeddedFont>
       <p:font typeface="Montserrat" panose="020B0604020202020204" charset="0"/>
+      <p:regular r:id="rId10"/>
+      <p:bold r:id="rId11"/>
+      <p:italic r:id="rId12"/>
+      <p:boldItalic r:id="rId13"/>
+    </p:embeddedFont>
+    <p:embeddedFont>
+      <p:font typeface="Roboto" panose="020B0604020202020204" charset="0"/>
       <p:regular r:id="rId14"/>
       <p:bold r:id="rId15"/>
       <p:italic r:id="rId16"/>
       <p:boldItalic r:id="rId17"/>
-    </p:embeddedFont>
-    <p:embeddedFont>
-      <p:font typeface="Roboto" panose="020B0604020202020204" charset="0"/>
-      <p:regular r:id="rId18"/>
-      <p:bold r:id="rId19"/>
-      <p:italic r:id="rId20"/>
-      <p:boldItalic r:id="rId21"/>
     </p:embeddedFont>
   </p:embeddedFontLst>
   <p:defaultTextStyle>
@@ -934,422 +930,6 @@
 </file>
 
 <file path=ppt/notesSlides/notesSlide3.xml><?xml version="1.0" encoding="utf-8"?>
-<p:notes xmlns:a="http://schemas.openxmlformats.org/drawingml/2006/main" xmlns:r="http://schemas.openxmlformats.org/officeDocument/2006/relationships" xmlns:p="http://schemas.openxmlformats.org/presentationml/2006/main" showMasterSp="0" showMasterPhAnim="0">
-  <p:cSld>
-    <p:spTree>
-      <p:nvGrpSpPr>
-        <p:cNvPr id="1" name="Shape 100"/>
-        <p:cNvGrpSpPr/>
-        <p:nvPr/>
-      </p:nvGrpSpPr>
-      <p:grpSpPr>
-        <a:xfrm>
-          <a:off x="0" y="0"/>
-          <a:ext cx="0" cy="0"/>
-          <a:chOff x="0" y="0"/>
-          <a:chExt cx="0" cy="0"/>
-        </a:xfrm>
-      </p:grpSpPr>
-      <p:sp>
-        <p:nvSpPr>
-          <p:cNvPr id="101" name="Google Shape;101;g3e40835d7a_0_612:notes"/>
-          <p:cNvSpPr>
-            <a:spLocks noGrp="1" noRot="1" noChangeAspect="1"/>
-          </p:cNvSpPr>
-          <p:nvPr>
-            <p:ph type="sldImg" idx="2"/>
-          </p:nvPr>
-        </p:nvSpPr>
-        <p:spPr>
-          <a:xfrm>
-            <a:off x="381300" y="685800"/>
-            <a:ext cx="6096000" cy="3429000"/>
-          </a:xfrm>
-          <a:custGeom>
-            <a:avLst/>
-            <a:gdLst/>
-            <a:ahLst/>
-            <a:cxnLst/>
-            <a:rect l="0" t="0" r="0" b="0"/>
-            <a:pathLst>
-              <a:path w="120000" h="120000" extrusionOk="0">
-                <a:moveTo>
-                  <a:pt x="0" y="0"/>
-                </a:moveTo>
-                <a:lnTo>
-                  <a:pt x="120000" y="0"/>
-                </a:lnTo>
-                <a:lnTo>
-                  <a:pt x="120000" y="120000"/>
-                </a:lnTo>
-                <a:lnTo>
-                  <a:pt x="0" y="120000"/>
-                </a:lnTo>
-                <a:close/>
-              </a:path>
-            </a:pathLst>
-          </a:custGeom>
-        </p:spPr>
-      </p:sp>
-      <p:sp>
-        <p:nvSpPr>
-          <p:cNvPr id="102" name="Google Shape;102;g3e40835d7a_0_612:notes"/>
-          <p:cNvSpPr txBox="1">
-            <a:spLocks noGrp="1"/>
-          </p:cNvSpPr>
-          <p:nvPr>
-            <p:ph type="body" idx="1"/>
-          </p:nvPr>
-        </p:nvSpPr>
-        <p:spPr>
-          <a:xfrm>
-            <a:off x="685800" y="4343400"/>
-            <a:ext cx="5486400" cy="4114800"/>
-          </a:xfrm>
-          <a:prstGeom prst="rect">
-            <a:avLst/>
-          </a:prstGeom>
-        </p:spPr>
-        <p:txBody>
-          <a:bodyPr spcFirstLastPara="1" wrap="square" lIns="91425" tIns="91425" rIns="91425" bIns="91425" anchor="t" anchorCtr="0">
-            <a:noAutofit/>
-          </a:bodyPr>
-          <a:lstStyle/>
-          <a:p>
-            <a:pPr marL="0" lvl="0" indent="0">
-              <a:spcBef>
-                <a:spcPts val="0"/>
-              </a:spcBef>
-              <a:spcAft>
-                <a:spcPts val="0"/>
-              </a:spcAft>
-              <a:buNone/>
-            </a:pPr>
-            <a:endParaRPr/>
-          </a:p>
-        </p:txBody>
-      </p:sp>
-    </p:spTree>
-  </p:cSld>
-  <p:clrMapOvr>
-    <a:masterClrMapping/>
-  </p:clrMapOvr>
-</p:notes>
-</file>
-
-<file path=ppt/notesSlides/notesSlide4.xml><?xml version="1.0" encoding="utf-8"?>
-<p:notes xmlns:a="http://schemas.openxmlformats.org/drawingml/2006/main" xmlns:r="http://schemas.openxmlformats.org/officeDocument/2006/relationships" xmlns:p="http://schemas.openxmlformats.org/presentationml/2006/main" showMasterSp="0" showMasterPhAnim="0">
-  <p:cSld>
-    <p:spTree>
-      <p:nvGrpSpPr>
-        <p:cNvPr id="1" name="Shape 107"/>
-        <p:cNvGrpSpPr/>
-        <p:nvPr/>
-      </p:nvGrpSpPr>
-      <p:grpSpPr>
-        <a:xfrm>
-          <a:off x="0" y="0"/>
-          <a:ext cx="0" cy="0"/>
-          <a:chOff x="0" y="0"/>
-          <a:chExt cx="0" cy="0"/>
-        </a:xfrm>
-      </p:grpSpPr>
-      <p:sp>
-        <p:nvSpPr>
-          <p:cNvPr id="108" name="Google Shape;108;g3e40835d7a_0_600:notes"/>
-          <p:cNvSpPr>
-            <a:spLocks noGrp="1" noRot="1" noChangeAspect="1"/>
-          </p:cNvSpPr>
-          <p:nvPr>
-            <p:ph type="sldImg" idx="2"/>
-          </p:nvPr>
-        </p:nvSpPr>
-        <p:spPr>
-          <a:xfrm>
-            <a:off x="381300" y="685800"/>
-            <a:ext cx="6096000" cy="3429000"/>
-          </a:xfrm>
-          <a:custGeom>
-            <a:avLst/>
-            <a:gdLst/>
-            <a:ahLst/>
-            <a:cxnLst/>
-            <a:rect l="0" t="0" r="0" b="0"/>
-            <a:pathLst>
-              <a:path w="120000" h="120000" extrusionOk="0">
-                <a:moveTo>
-                  <a:pt x="0" y="0"/>
-                </a:moveTo>
-                <a:lnTo>
-                  <a:pt x="120000" y="0"/>
-                </a:lnTo>
-                <a:lnTo>
-                  <a:pt x="120000" y="120000"/>
-                </a:lnTo>
-                <a:lnTo>
-                  <a:pt x="0" y="120000"/>
-                </a:lnTo>
-                <a:close/>
-              </a:path>
-            </a:pathLst>
-          </a:custGeom>
-        </p:spPr>
-      </p:sp>
-      <p:sp>
-        <p:nvSpPr>
-          <p:cNvPr id="109" name="Google Shape;109;g3e40835d7a_0_600:notes"/>
-          <p:cNvSpPr txBox="1">
-            <a:spLocks noGrp="1"/>
-          </p:cNvSpPr>
-          <p:nvPr>
-            <p:ph type="body" idx="1"/>
-          </p:nvPr>
-        </p:nvSpPr>
-        <p:spPr>
-          <a:xfrm>
-            <a:off x="685800" y="4343400"/>
-            <a:ext cx="5486400" cy="4114800"/>
-          </a:xfrm>
-          <a:prstGeom prst="rect">
-            <a:avLst/>
-          </a:prstGeom>
-        </p:spPr>
-        <p:txBody>
-          <a:bodyPr spcFirstLastPara="1" wrap="square" lIns="91425" tIns="91425" rIns="91425" bIns="91425" anchor="t" anchorCtr="0">
-            <a:noAutofit/>
-          </a:bodyPr>
-          <a:lstStyle/>
-          <a:p>
-            <a:pPr marL="0" lvl="0" indent="0">
-              <a:spcBef>
-                <a:spcPts val="0"/>
-              </a:spcBef>
-              <a:spcAft>
-                <a:spcPts val="0"/>
-              </a:spcAft>
-              <a:buNone/>
-            </a:pPr>
-            <a:endParaRPr/>
-          </a:p>
-        </p:txBody>
-      </p:sp>
-    </p:spTree>
-  </p:cSld>
-  <p:clrMapOvr>
-    <a:masterClrMapping/>
-  </p:clrMapOvr>
-</p:notes>
-</file>
-
-<file path=ppt/notesSlides/notesSlide5.xml><?xml version="1.0" encoding="utf-8"?>
-<p:notes xmlns:a="http://schemas.openxmlformats.org/drawingml/2006/main" xmlns:r="http://schemas.openxmlformats.org/officeDocument/2006/relationships" xmlns:p="http://schemas.openxmlformats.org/presentationml/2006/main" showMasterSp="0" showMasterPhAnim="0">
-  <p:cSld>
-    <p:spTree>
-      <p:nvGrpSpPr>
-        <p:cNvPr id="1" name="Shape 113"/>
-        <p:cNvGrpSpPr/>
-        <p:nvPr/>
-      </p:nvGrpSpPr>
-      <p:grpSpPr>
-        <a:xfrm>
-          <a:off x="0" y="0"/>
-          <a:ext cx="0" cy="0"/>
-          <a:chOff x="0" y="0"/>
-          <a:chExt cx="0" cy="0"/>
-        </a:xfrm>
-      </p:grpSpPr>
-      <p:sp>
-        <p:nvSpPr>
-          <p:cNvPr id="114" name="Google Shape;114;g3e40835d7a_0_617:notes"/>
-          <p:cNvSpPr>
-            <a:spLocks noGrp="1" noRot="1" noChangeAspect="1"/>
-          </p:cNvSpPr>
-          <p:nvPr>
-            <p:ph type="sldImg" idx="2"/>
-          </p:nvPr>
-        </p:nvSpPr>
-        <p:spPr>
-          <a:xfrm>
-            <a:off x="381300" y="685800"/>
-            <a:ext cx="6096000" cy="3429000"/>
-          </a:xfrm>
-          <a:custGeom>
-            <a:avLst/>
-            <a:gdLst/>
-            <a:ahLst/>
-            <a:cxnLst/>
-            <a:rect l="0" t="0" r="0" b="0"/>
-            <a:pathLst>
-              <a:path w="120000" h="120000" extrusionOk="0">
-                <a:moveTo>
-                  <a:pt x="0" y="0"/>
-                </a:moveTo>
-                <a:lnTo>
-                  <a:pt x="120000" y="0"/>
-                </a:lnTo>
-                <a:lnTo>
-                  <a:pt x="120000" y="120000"/>
-                </a:lnTo>
-                <a:lnTo>
-                  <a:pt x="0" y="120000"/>
-                </a:lnTo>
-                <a:close/>
-              </a:path>
-            </a:pathLst>
-          </a:custGeom>
-        </p:spPr>
-      </p:sp>
-      <p:sp>
-        <p:nvSpPr>
-          <p:cNvPr id="115" name="Google Shape;115;g3e40835d7a_0_617:notes"/>
-          <p:cNvSpPr txBox="1">
-            <a:spLocks noGrp="1"/>
-          </p:cNvSpPr>
-          <p:nvPr>
-            <p:ph type="body" idx="1"/>
-          </p:nvPr>
-        </p:nvSpPr>
-        <p:spPr>
-          <a:xfrm>
-            <a:off x="685800" y="4343400"/>
-            <a:ext cx="5486400" cy="4114800"/>
-          </a:xfrm>
-          <a:prstGeom prst="rect">
-            <a:avLst/>
-          </a:prstGeom>
-        </p:spPr>
-        <p:txBody>
-          <a:bodyPr spcFirstLastPara="1" wrap="square" lIns="91425" tIns="91425" rIns="91425" bIns="91425" anchor="t" anchorCtr="0">
-            <a:noAutofit/>
-          </a:bodyPr>
-          <a:lstStyle/>
-          <a:p>
-            <a:pPr marL="0" lvl="0" indent="0">
-              <a:spcBef>
-                <a:spcPts val="0"/>
-              </a:spcBef>
-              <a:spcAft>
-                <a:spcPts val="0"/>
-              </a:spcAft>
-              <a:buNone/>
-            </a:pPr>
-            <a:endParaRPr/>
-          </a:p>
-        </p:txBody>
-      </p:sp>
-    </p:spTree>
-  </p:cSld>
-  <p:clrMapOvr>
-    <a:masterClrMapping/>
-  </p:clrMapOvr>
-</p:notes>
-</file>
-
-<file path=ppt/notesSlides/notesSlide6.xml><?xml version="1.0" encoding="utf-8"?>
-<p:notes xmlns:a="http://schemas.openxmlformats.org/drawingml/2006/main" xmlns:r="http://schemas.openxmlformats.org/officeDocument/2006/relationships" xmlns:p="http://schemas.openxmlformats.org/presentationml/2006/main" showMasterSp="0" showMasterPhAnim="0">
-  <p:cSld>
-    <p:spTree>
-      <p:nvGrpSpPr>
-        <p:cNvPr id="1" name="Shape 120"/>
-        <p:cNvGrpSpPr/>
-        <p:nvPr/>
-      </p:nvGrpSpPr>
-      <p:grpSpPr>
-        <a:xfrm>
-          <a:off x="0" y="0"/>
-          <a:ext cx="0" cy="0"/>
-          <a:chOff x="0" y="0"/>
-          <a:chExt cx="0" cy="0"/>
-        </a:xfrm>
-      </p:grpSpPr>
-      <p:sp>
-        <p:nvSpPr>
-          <p:cNvPr id="121" name="Google Shape;121;g3e40835d7a_0_622:notes"/>
-          <p:cNvSpPr>
-            <a:spLocks noGrp="1" noRot="1" noChangeAspect="1"/>
-          </p:cNvSpPr>
-          <p:nvPr>
-            <p:ph type="sldImg" idx="2"/>
-          </p:nvPr>
-        </p:nvSpPr>
-        <p:spPr>
-          <a:xfrm>
-            <a:off x="381300" y="685800"/>
-            <a:ext cx="6096000" cy="3429000"/>
-          </a:xfrm>
-          <a:custGeom>
-            <a:avLst/>
-            <a:gdLst/>
-            <a:ahLst/>
-            <a:cxnLst/>
-            <a:rect l="0" t="0" r="0" b="0"/>
-            <a:pathLst>
-              <a:path w="120000" h="120000" extrusionOk="0">
-                <a:moveTo>
-                  <a:pt x="0" y="0"/>
-                </a:moveTo>
-                <a:lnTo>
-                  <a:pt x="120000" y="0"/>
-                </a:lnTo>
-                <a:lnTo>
-                  <a:pt x="120000" y="120000"/>
-                </a:lnTo>
-                <a:lnTo>
-                  <a:pt x="0" y="120000"/>
-                </a:lnTo>
-                <a:close/>
-              </a:path>
-            </a:pathLst>
-          </a:custGeom>
-        </p:spPr>
-      </p:sp>
-      <p:sp>
-        <p:nvSpPr>
-          <p:cNvPr id="122" name="Google Shape;122;g3e40835d7a_0_622:notes"/>
-          <p:cNvSpPr txBox="1">
-            <a:spLocks noGrp="1"/>
-          </p:cNvSpPr>
-          <p:nvPr>
-            <p:ph type="body" idx="1"/>
-          </p:nvPr>
-        </p:nvSpPr>
-        <p:spPr>
-          <a:xfrm>
-            <a:off x="685800" y="4343400"/>
-            <a:ext cx="5486400" cy="4114800"/>
-          </a:xfrm>
-          <a:prstGeom prst="rect">
-            <a:avLst/>
-          </a:prstGeom>
-        </p:spPr>
-        <p:txBody>
-          <a:bodyPr spcFirstLastPara="1" wrap="square" lIns="91425" tIns="91425" rIns="91425" bIns="91425" anchor="t" anchorCtr="0">
-            <a:noAutofit/>
-          </a:bodyPr>
-          <a:lstStyle/>
-          <a:p>
-            <a:pPr marL="0" lvl="0" indent="0">
-              <a:spcBef>
-                <a:spcPts val="0"/>
-              </a:spcBef>
-              <a:spcAft>
-                <a:spcPts val="0"/>
-              </a:spcAft>
-              <a:buNone/>
-            </a:pPr>
-            <a:endParaRPr/>
-          </a:p>
-        </p:txBody>
-      </p:sp>
-    </p:spTree>
-  </p:cSld>
-  <p:clrMapOvr>
-    <a:masterClrMapping/>
-  </p:clrMapOvr>
-</p:notes>
-</file>
-
-<file path=ppt/notesSlides/notesSlide7.xml><?xml version="1.0" encoding="utf-8"?>
 <p:notes xmlns:a="http://schemas.openxmlformats.org/drawingml/2006/main" xmlns:r="http://schemas.openxmlformats.org/officeDocument/2006/relationships" xmlns:p="http://schemas.openxmlformats.org/presentationml/2006/main" showMasterSp="0" showMasterPhAnim="0">
   <p:cSld>
     <p:spTree>
@@ -8240,178 +7820,6 @@
 </p:sld>
 </file>
 
-<file path=ppt/slides/slide10.xml><?xml version="1.0" encoding="utf-8"?>
-<p:sld xmlns:a="http://schemas.openxmlformats.org/drawingml/2006/main" xmlns:r="http://schemas.openxmlformats.org/officeDocument/2006/relationships" xmlns:p="http://schemas.openxmlformats.org/presentationml/2006/main">
-  <p:cSld>
-    <p:spTree>
-      <p:nvGrpSpPr>
-        <p:cNvPr id="1" name="Shape 123"/>
-        <p:cNvGrpSpPr/>
-        <p:nvPr/>
-      </p:nvGrpSpPr>
-      <p:grpSpPr>
-        <a:xfrm>
-          <a:off x="0" y="0"/>
-          <a:ext cx="0" cy="0"/>
-          <a:chOff x="0" y="0"/>
-          <a:chExt cx="0" cy="0"/>
-        </a:xfrm>
-      </p:grpSpPr>
-      <p:sp>
-        <p:nvSpPr>
-          <p:cNvPr id="124" name="Google Shape;124;p19"/>
-          <p:cNvSpPr txBox="1">
-            <a:spLocks noGrp="1"/>
-          </p:cNvSpPr>
-          <p:nvPr>
-            <p:ph type="title"/>
-          </p:nvPr>
-        </p:nvSpPr>
-        <p:spPr>
-          <a:xfrm>
-            <a:off x="311700" y="184175"/>
-            <a:ext cx="8520600" cy="607800"/>
-          </a:xfrm>
-          <a:prstGeom prst="rect">
-            <a:avLst/>
-          </a:prstGeom>
-        </p:spPr>
-        <p:txBody>
-          <a:bodyPr spcFirstLastPara="1" wrap="square" lIns="91425" tIns="91425" rIns="91425" bIns="91425" anchor="t" anchorCtr="0">
-            <a:noAutofit/>
-          </a:bodyPr>
-          <a:lstStyle/>
-          <a:p>
-            <a:pPr marL="0" lvl="0" indent="0">
-              <a:spcBef>
-                <a:spcPts val="0"/>
-              </a:spcBef>
-              <a:spcAft>
-                <a:spcPts val="0"/>
-              </a:spcAft>
-              <a:buNone/>
-            </a:pPr>
-            <a:r>
-              <a:rPr lang="en-GB"/>
-              <a:t>Gantt Chart</a:t>
-            </a:r>
-            <a:endParaRPr/>
-          </a:p>
-        </p:txBody>
-      </p:sp>
-      <p:pic>
-        <p:nvPicPr>
-          <p:cNvPr id="125" name="Google Shape;125;p19"/>
-          <p:cNvPicPr preferRelativeResize="0"/>
-          <p:nvPr/>
-        </p:nvPicPr>
-        <p:blipFill>
-          <a:blip r:embed="rId3">
-            <a:alphaModFix/>
-          </a:blip>
-          <a:stretch>
-            <a:fillRect/>
-          </a:stretch>
-        </p:blipFill>
-        <p:spPr>
-          <a:xfrm>
-            <a:off x="683025" y="791975"/>
-            <a:ext cx="7777944" cy="4046726"/>
-          </a:xfrm>
-          <a:prstGeom prst="rect">
-            <a:avLst/>
-          </a:prstGeom>
-          <a:noFill/>
-          <a:ln>
-            <a:noFill/>
-          </a:ln>
-        </p:spPr>
-      </p:pic>
-    </p:spTree>
-  </p:cSld>
-  <p:clrMapOvr>
-    <a:masterClrMapping/>
-  </p:clrMapOvr>
-</p:sld>
-</file>
-
-<file path=ppt/slides/slide11.xml><?xml version="1.0" encoding="utf-8"?>
-<p:sld xmlns:a="http://schemas.openxmlformats.org/drawingml/2006/main" xmlns:r="http://schemas.openxmlformats.org/officeDocument/2006/relationships" xmlns:p="http://schemas.openxmlformats.org/presentationml/2006/main">
-  <p:cSld>
-    <p:spTree>
-      <p:nvGrpSpPr>
-        <p:cNvPr id="1" name="Shape 129"/>
-        <p:cNvGrpSpPr/>
-        <p:nvPr/>
-      </p:nvGrpSpPr>
-      <p:grpSpPr>
-        <a:xfrm>
-          <a:off x="0" y="0"/>
-          <a:ext cx="0" cy="0"/>
-          <a:chOff x="0" y="0"/>
-          <a:chExt cx="0" cy="0"/>
-        </a:xfrm>
-      </p:grpSpPr>
-      <p:sp>
-        <p:nvSpPr>
-          <p:cNvPr id="130" name="Google Shape;130;p20"/>
-          <p:cNvSpPr txBox="1">
-            <a:spLocks noGrp="1"/>
-          </p:cNvSpPr>
-          <p:nvPr>
-            <p:ph type="title"/>
-          </p:nvPr>
-        </p:nvSpPr>
-        <p:spPr>
-          <a:xfrm>
-            <a:off x="311700" y="410000"/>
-            <a:ext cx="8520600" cy="2427000"/>
-          </a:xfrm>
-          <a:prstGeom prst="rect">
-            <a:avLst/>
-          </a:prstGeom>
-        </p:spPr>
-        <p:txBody>
-          <a:bodyPr spcFirstLastPara="1" wrap="square" lIns="91425" tIns="91425" rIns="91425" bIns="91425" anchor="t" anchorCtr="0">
-            <a:noAutofit/>
-          </a:bodyPr>
-          <a:lstStyle/>
-          <a:p>
-            <a:pPr marL="0" lvl="0" indent="0">
-              <a:spcBef>
-                <a:spcPts val="0"/>
-              </a:spcBef>
-              <a:spcAft>
-                <a:spcPts val="0"/>
-              </a:spcAft>
-              <a:buNone/>
-            </a:pPr>
-            <a:r>
-              <a:rPr lang="en-GB" sz="6000">
-                <a:latin typeface="Montserrat"/>
-                <a:ea typeface="Montserrat"/>
-                <a:cs typeface="Montserrat"/>
-                <a:sym typeface="Montserrat"/>
-              </a:rPr>
-              <a:t>Any questions?</a:t>
-            </a:r>
-            <a:endParaRPr sz="6000">
-              <a:latin typeface="Montserrat"/>
-              <a:ea typeface="Montserrat"/>
-              <a:cs typeface="Montserrat"/>
-              <a:sym typeface="Montserrat"/>
-            </a:endParaRPr>
-          </a:p>
-        </p:txBody>
-      </p:sp>
-    </p:spTree>
-  </p:cSld>
-  <p:clrMapOvr>
-    <a:masterClrMapping/>
-  </p:clrMapOvr>
-</p:sld>
-</file>
-
 <file path=ppt/slides/slide2.xml><?xml version="1.0" encoding="utf-8"?>
 <p:sld xmlns:a="http://schemas.openxmlformats.org/drawingml/2006/main" xmlns:r="http://schemas.openxmlformats.org/officeDocument/2006/relationships" xmlns:p="http://schemas.openxmlformats.org/presentationml/2006/main">
   <p:cSld>
@@ -8506,153 +7914,35 @@
           </a:bodyPr>
           <a:lstStyle/>
           <a:p>
-            <a:pPr marL="0" lvl="0" indent="0" rtl="0">
-              <a:spcBef>
-                <a:spcPts val="0"/>
-              </a:spcBef>
-              <a:spcAft>
-                <a:spcPts val="0"/>
-              </a:spcAft>
-              <a:buNone/>
-            </a:pPr>
+            <a:pPr marL="342900"/>
             <a:r>
-              <a:rPr lang="en-GB" sz="2400" dirty="0"/>
-              <a:t>6 Main Categories:</a:t>
+              <a:rPr lang="en-NZ" sz="2400" dirty="0"/>
+              <a:t>Avoiding OO design for vertices/edges</a:t>
             </a:r>
-            <a:endParaRPr sz="2400" dirty="0"/>
           </a:p>
           <a:p>
-            <a:pPr marL="457200" lvl="0" indent="-381000" rtl="0">
-              <a:spcBef>
-                <a:spcPts val="1600"/>
-              </a:spcBef>
-              <a:spcAft>
-                <a:spcPts val="0"/>
-              </a:spcAft>
-              <a:buSzPts val="2400"/>
-              <a:buChar char="●"/>
-            </a:pPr>
+            <a:pPr marL="342900"/>
             <a:r>
-              <a:rPr lang="en-GB" sz="2400" dirty="0"/>
-              <a:t>Planning</a:t>
+              <a:rPr lang="en-NZ" sz="2400" dirty="0"/>
+              <a:t>Central mapping</a:t>
             </a:r>
-            <a:endParaRPr sz="2400" dirty="0"/>
           </a:p>
           <a:p>
-            <a:pPr marL="457200" lvl="0" indent="-381000" rtl="0">
-              <a:spcBef>
-                <a:spcPts val="0"/>
-              </a:spcBef>
-              <a:spcAft>
-                <a:spcPts val="0"/>
-              </a:spcAft>
-              <a:buSzPts val="2400"/>
-              <a:buChar char="●"/>
-            </a:pPr>
+            <a:pPr marL="342900"/>
             <a:r>
-              <a:rPr lang="en-GB" sz="2400" dirty="0"/>
-              <a:t>Prototyping</a:t>
+              <a:rPr lang="en-NZ" sz="2400" dirty="0"/>
+              <a:t>Using in-memory primitives for speed</a:t>
             </a:r>
-            <a:endParaRPr sz="2400" dirty="0"/>
           </a:p>
           <a:p>
-            <a:pPr marL="457200" lvl="0" indent="-381000" rtl="0">
-              <a:spcBef>
-                <a:spcPts val="0"/>
-              </a:spcBef>
-              <a:spcAft>
-                <a:spcPts val="0"/>
-              </a:spcAft>
-              <a:buSzPts val="2400"/>
-              <a:buChar char="●"/>
-            </a:pPr>
+            <a:pPr marL="342900"/>
             <a:r>
-              <a:rPr lang="en-GB" sz="2400" dirty="0"/>
-              <a:t>Development</a:t>
+              <a:rPr lang="en-NZ" sz="2400" dirty="0"/>
+              <a:t>Difficult implementation but hopefully pays</a:t>
             </a:r>
-            <a:endParaRPr sz="2400" dirty="0"/>
-          </a:p>
-          <a:p>
-            <a:pPr marL="457200" lvl="0" indent="-381000" rtl="0">
-              <a:spcBef>
-                <a:spcPts val="0"/>
-              </a:spcBef>
-              <a:spcAft>
-                <a:spcPts val="0"/>
-              </a:spcAft>
-              <a:buSzPts val="2400"/>
-              <a:buChar char="●"/>
-            </a:pPr>
-            <a:r>
-              <a:rPr lang="en-GB" sz="2400" dirty="0"/>
-              <a:t>Refinement</a:t>
-            </a:r>
-            <a:endParaRPr sz="2400" dirty="0"/>
-          </a:p>
-          <a:p>
-            <a:pPr marL="457200" lvl="0" indent="-381000" rtl="0">
-              <a:spcBef>
-                <a:spcPts val="0"/>
-              </a:spcBef>
-              <a:spcAft>
-                <a:spcPts val="0"/>
-              </a:spcAft>
-              <a:buSzPts val="2400"/>
-              <a:buChar char="●"/>
-            </a:pPr>
-            <a:r>
-              <a:rPr lang="en-GB" sz="2400" dirty="0"/>
-              <a:t>Testing </a:t>
-            </a:r>
-            <a:endParaRPr sz="2400" dirty="0"/>
-          </a:p>
-          <a:p>
-            <a:pPr marL="457200" lvl="0" indent="-381000" rtl="0">
-              <a:spcBef>
-                <a:spcPts val="0"/>
-              </a:spcBef>
-              <a:spcAft>
-                <a:spcPts val="0"/>
-              </a:spcAft>
-              <a:buSzPts val="2400"/>
-              <a:buChar char="●"/>
-            </a:pPr>
-            <a:r>
-              <a:rPr lang="en-GB" sz="2400" dirty="0"/>
-              <a:t>Documenting</a:t>
-            </a:r>
-            <a:endParaRPr sz="2400" dirty="0"/>
           </a:p>
         </p:txBody>
       </p:sp>
-      <p:pic>
-        <p:nvPicPr>
-          <p:cNvPr id="93" name="Google Shape;93;p14"/>
-          <p:cNvPicPr preferRelativeResize="0"/>
-          <p:nvPr/>
-        </p:nvPicPr>
-        <p:blipFill>
-          <a:blip r:embed="rId3">
-            <a:alphaModFix/>
-          </a:blip>
-          <a:stretch>
-            <a:fillRect/>
-          </a:stretch>
-        </p:blipFill>
-        <p:spPr>
-          <a:xfrm>
-            <a:off x="4247025" y="916513"/>
-            <a:ext cx="2778775" cy="2778775"/>
-          </a:xfrm>
-          <a:prstGeom prst="rect">
-            <a:avLst/>
-          </a:prstGeom>
-          <a:noFill/>
-          <a:ln>
-            <a:noFill/>
-          </a:ln>
-        </p:spPr>
-      </p:pic>
     </p:spTree>
   </p:cSld>
   <p:clrMapOvr>
@@ -8727,7 +8017,84 @@
           <a:bodyPr/>
           <a:lstStyle/>
           <a:p>
+            <a:pPr marL="114300" indent="0">
+              <a:buNone/>
+            </a:pPr>
+            <a:r>
+              <a:rPr lang="en-NZ" b="1" dirty="0">
+                <a:solidFill>
+                  <a:schemeClr val="tx1"/>
+                </a:solidFill>
+              </a:rPr>
+              <a:t>INPUT</a:t>
+            </a:r>
+          </a:p>
+          <a:p>
+            <a:r>
+              <a:rPr lang="en-NZ" dirty="0"/>
+              <a:t>Converting graph information from .DOT file input into suitable format.</a:t>
+            </a:r>
+          </a:p>
+          <a:p>
+            <a:r>
+              <a:rPr lang="en-NZ" dirty="0"/>
+              <a:t>Manual text-processing approach used.</a:t>
+            </a:r>
+          </a:p>
+          <a:p>
+            <a:pPr marL="114300" indent="0">
+              <a:buNone/>
+            </a:pPr>
             <a:endParaRPr lang="en-NZ" dirty="0"/>
+          </a:p>
+          <a:p>
+            <a:pPr marL="114300" indent="0">
+              <a:buNone/>
+            </a:pPr>
+            <a:r>
+              <a:rPr lang="en-NZ" b="1" dirty="0">
+                <a:solidFill>
+                  <a:schemeClr val="tx1"/>
+                </a:solidFill>
+              </a:rPr>
+              <a:t>OUTPUT</a:t>
+            </a:r>
+          </a:p>
+          <a:p>
+            <a:r>
+              <a:rPr lang="en-NZ" dirty="0">
+                <a:solidFill>
+                  <a:schemeClr val="bg2"/>
+                </a:solidFill>
+              </a:rPr>
+              <a:t>Write graph from object to DOT file.</a:t>
+            </a:r>
+          </a:p>
+          <a:p>
+            <a:r>
+              <a:rPr lang="en-NZ" dirty="0">
+                <a:solidFill>
+                  <a:schemeClr val="bg2"/>
+                </a:solidFill>
+              </a:rPr>
+              <a:t>Using existing </a:t>
+            </a:r>
+            <a:r>
+              <a:rPr lang="en-NZ" dirty="0" err="1">
+                <a:solidFill>
+                  <a:schemeClr val="bg2"/>
+                </a:solidFill>
+              </a:rPr>
+              <a:t>DotWriter</a:t>
+            </a:r>
+            <a:r>
+              <a:rPr lang="en-NZ" dirty="0">
+                <a:solidFill>
+                  <a:schemeClr val="bg2"/>
+                </a:solidFill>
+              </a:rPr>
+              <a:t> class – will need to be extended.</a:t>
+            </a:r>
           </a:p>
         </p:txBody>
       </p:sp>
@@ -8784,7 +8151,7 @@
           <a:p>
             <a:r>
               <a:rPr lang="en-NZ" dirty="0"/>
-              <a:t>Branching and Implementation</a:t>
+              <a:t>Git Branching</a:t>
             </a:r>
           </a:p>
         </p:txBody>
@@ -8810,6 +8177,49 @@
           <a:bodyPr/>
           <a:lstStyle/>
           <a:p>
+            <a:pPr>
+              <a:lnSpc>
+                <a:spcPct val="300000"/>
+              </a:lnSpc>
+            </a:pPr>
+            <a:r>
+              <a:rPr lang="en-NZ" dirty="0" err="1"/>
+              <a:t>Github</a:t>
+            </a:r>
+            <a:r>
+              <a:rPr lang="en-NZ" dirty="0"/>
+              <a:t> used to do tasks in parallel</a:t>
+            </a:r>
+          </a:p>
+          <a:p>
+            <a:pPr>
+              <a:lnSpc>
+                <a:spcPct val="300000"/>
+              </a:lnSpc>
+            </a:pPr>
+            <a:r>
+              <a:rPr lang="en-NZ" dirty="0"/>
+              <a:t>Skeleton of input/output with algorithm stub pushed to master</a:t>
+            </a:r>
+          </a:p>
+          <a:p>
+            <a:pPr>
+              <a:lnSpc>
+                <a:spcPct val="300000"/>
+              </a:lnSpc>
+            </a:pPr>
+            <a:r>
+              <a:rPr lang="en-NZ" dirty="0"/>
+              <a:t>Different implementations being done on different branches</a:t>
+            </a:r>
+          </a:p>
+          <a:p>
+            <a:pPr marL="114300" indent="0">
+              <a:lnSpc>
+                <a:spcPct val="300000"/>
+              </a:lnSpc>
+              <a:buNone/>
+            </a:pPr>
             <a:endParaRPr lang="en-NZ" dirty="0"/>
           </a:p>
         </p:txBody>
@@ -8893,7 +8303,36 @@
           <a:bodyPr/>
           <a:lstStyle/>
           <a:p>
-            <a:endParaRPr lang="en-NZ"/>
+            <a:r>
+              <a:rPr lang="en-NZ" dirty="0"/>
+              <a:t>Doing a basic DFS implementation</a:t>
+            </a:r>
+          </a:p>
+          <a:p>
+            <a:r>
+              <a:rPr lang="en-NZ" dirty="0"/>
+              <a:t>Created a basic cost function </a:t>
+            </a:r>
+          </a:p>
+          <a:p>
+            <a:r>
+              <a:rPr lang="en-NZ" dirty="0"/>
+              <a:t>Using hash maps as the data structure.</a:t>
+            </a:r>
+          </a:p>
+          <a:p>
+            <a:r>
+              <a:rPr lang="en-NZ" dirty="0"/>
+              <a:t>Extended base library to allow for property's such as processors and </a:t>
+            </a:r>
+            <a:r>
+              <a:rPr lang="en-NZ" dirty="0" err="1"/>
+              <a:t>start_time</a:t>
+            </a:r>
+            <a:r>
+              <a:rPr lang="en-NZ" dirty="0"/>
+              <a:t> and visited.</a:t>
+            </a:r>
           </a:p>
         </p:txBody>
       </p:sp>
@@ -9025,7 +8464,7 @@
   <p:cSld>
     <p:spTree>
       <p:nvGrpSpPr>
-        <p:cNvPr id="1" name="Shape 103"/>
+        <p:cNvPr id="1" name="Shape 129"/>
         <p:cNvGrpSpPr/>
         <p:nvPr/>
       </p:nvGrpSpPr>
@@ -9039,7 +8478,7 @@
       </p:grpSpPr>
       <p:sp>
         <p:nvSpPr>
-          <p:cNvPr id="104" name="Google Shape;104;p16"/>
+          <p:cNvPr id="130" name="Google Shape;130;p20"/>
           <p:cNvSpPr txBox="1">
             <a:spLocks noGrp="1"/>
           </p:cNvSpPr>
@@ -9050,7 +8489,7 @@
         <p:spPr>
           <a:xfrm>
             <a:off x="311700" y="410000"/>
-            <a:ext cx="8520600" cy="607800"/>
+            <a:ext cx="8520600" cy="2427000"/>
           </a:xfrm>
           <a:prstGeom prst="rect">
             <a:avLst/>
@@ -9072,15 +8511,15 @@
               <a:buNone/>
             </a:pPr>
             <a:r>
-              <a:rPr lang="en-GB">
+              <a:rPr lang="en-GB" sz="6000">
                 <a:latin typeface="Montserrat"/>
                 <a:ea typeface="Montserrat"/>
                 <a:cs typeface="Montserrat"/>
                 <a:sym typeface="Montserrat"/>
               </a:rPr>
-              <a:t>Dependencies</a:t>
+              <a:t>Any questions?</a:t>
             </a:r>
-            <a:endParaRPr>
+            <a:endParaRPr sz="6000">
               <a:latin typeface="Montserrat"/>
               <a:ea typeface="Montserrat"/>
               <a:cs typeface="Montserrat"/>
@@ -9089,536 +8528,6 @@
           </a:p>
         </p:txBody>
       </p:sp>
-      <p:sp>
-        <p:nvSpPr>
-          <p:cNvPr id="105" name="Google Shape;105;p16"/>
-          <p:cNvSpPr txBox="1">
-            <a:spLocks noGrp="1"/>
-          </p:cNvSpPr>
-          <p:nvPr>
-            <p:ph type="body" idx="1"/>
-          </p:nvPr>
-        </p:nvSpPr>
-        <p:spPr>
-          <a:xfrm>
-            <a:off x="311700" y="1229875"/>
-            <a:ext cx="8520600" cy="3339000"/>
-          </a:xfrm>
-          <a:prstGeom prst="rect">
-            <a:avLst/>
-          </a:prstGeom>
-        </p:spPr>
-        <p:txBody>
-          <a:bodyPr spcFirstLastPara="1" wrap="square" lIns="91425" tIns="91425" rIns="91425" bIns="91425" anchor="t" anchorCtr="0">
-            <a:noAutofit/>
-          </a:bodyPr>
-          <a:lstStyle/>
-          <a:p>
-            <a:pPr marL="0" lvl="0" indent="0" rtl="0">
-              <a:spcBef>
-                <a:spcPts val="0"/>
-              </a:spcBef>
-              <a:spcAft>
-                <a:spcPts val="0"/>
-              </a:spcAft>
-              <a:buNone/>
-            </a:pPr>
-            <a:r>
-              <a:rPr lang="en-GB"/>
-              <a:t>Tasks dependent on other tasks to be finished:</a:t>
-            </a:r>
-            <a:endParaRPr/>
-          </a:p>
-          <a:p>
-            <a:pPr marL="457200" lvl="0" indent="-342900" rtl="0">
-              <a:spcBef>
-                <a:spcPts val="1600"/>
-              </a:spcBef>
-              <a:spcAft>
-                <a:spcPts val="0"/>
-              </a:spcAft>
-              <a:buSzPts val="1800"/>
-              <a:buChar char="●"/>
-            </a:pPr>
-            <a:r>
-              <a:rPr lang="en-GB"/>
-              <a:t>List of useful frameworks/API → Toy implementation</a:t>
-            </a:r>
-            <a:endParaRPr/>
-          </a:p>
-          <a:p>
-            <a:pPr marL="457200" lvl="0" indent="-342900" rtl="0">
-              <a:spcBef>
-                <a:spcPts val="0"/>
-              </a:spcBef>
-              <a:spcAft>
-                <a:spcPts val="0"/>
-              </a:spcAft>
-              <a:buSzPts val="1800"/>
-              <a:buChar char="●"/>
-            </a:pPr>
-            <a:r>
-              <a:rPr lang="en-GB"/>
-              <a:t>Algorithm research and comparison → Toy implementation</a:t>
-            </a:r>
-            <a:endParaRPr/>
-          </a:p>
-          <a:p>
-            <a:pPr marL="457200" lvl="0" indent="-342900" rtl="0">
-              <a:spcBef>
-                <a:spcPts val="0"/>
-              </a:spcBef>
-              <a:spcAft>
-                <a:spcPts val="0"/>
-              </a:spcAft>
-              <a:buSzPts val="1800"/>
-              <a:buChar char="●"/>
-            </a:pPr>
-            <a:r>
-              <a:rPr lang="en-GB"/>
-              <a:t>Initial implementation and testing → First interview preparation </a:t>
-            </a:r>
-            <a:endParaRPr/>
-          </a:p>
-          <a:p>
-            <a:pPr marL="457200" lvl="0" indent="-342900" rtl="0">
-              <a:spcBef>
-                <a:spcPts val="0"/>
-              </a:spcBef>
-              <a:spcAft>
-                <a:spcPts val="0"/>
-              </a:spcAft>
-              <a:buSzPts val="1800"/>
-              <a:buChar char="●"/>
-            </a:pPr>
-            <a:r>
-              <a:rPr lang="en-GB"/>
-              <a:t>Improvement and refinement steps have cyclic dependencies.</a:t>
-            </a:r>
-            <a:endParaRPr/>
-          </a:p>
-          <a:p>
-            <a:pPr marL="457200" lvl="0" indent="-342900">
-              <a:spcBef>
-                <a:spcPts val="0"/>
-              </a:spcBef>
-              <a:spcAft>
-                <a:spcPts val="0"/>
-              </a:spcAft>
-              <a:buSzPts val="1800"/>
-              <a:buChar char="●"/>
-            </a:pPr>
-            <a:r>
-              <a:rPr lang="en-GB"/>
-              <a:t>Compatibility tests on lab machines have a cyclic dependency with bug fixes.</a:t>
-            </a:r>
-            <a:endParaRPr/>
-          </a:p>
-        </p:txBody>
-      </p:sp>
-      <p:pic>
-        <p:nvPicPr>
-          <p:cNvPr id="106" name="Google Shape;106;p16"/>
-          <p:cNvPicPr preferRelativeResize="0"/>
-          <p:nvPr/>
-        </p:nvPicPr>
-        <p:blipFill>
-          <a:blip r:embed="rId3">
-            <a:alphaModFix/>
-          </a:blip>
-          <a:stretch>
-            <a:fillRect/>
-          </a:stretch>
-        </p:blipFill>
-        <p:spPr>
-          <a:xfrm>
-            <a:off x="6735450" y="-70425"/>
-            <a:ext cx="2280550" cy="2280550"/>
-          </a:xfrm>
-          <a:prstGeom prst="rect">
-            <a:avLst/>
-          </a:prstGeom>
-          <a:noFill/>
-          <a:ln>
-            <a:noFill/>
-          </a:ln>
-        </p:spPr>
-      </p:pic>
-    </p:spTree>
-  </p:cSld>
-  <p:clrMapOvr>
-    <a:masterClrMapping/>
-  </p:clrMapOvr>
-</p:sld>
-</file>
-
-<file path=ppt/slides/slide8.xml><?xml version="1.0" encoding="utf-8"?>
-<p:sld xmlns:a="http://schemas.openxmlformats.org/drawingml/2006/main" xmlns:r="http://schemas.openxmlformats.org/officeDocument/2006/relationships" xmlns:p="http://schemas.openxmlformats.org/presentationml/2006/main">
-  <p:cSld>
-    <p:spTree>
-      <p:nvGrpSpPr>
-        <p:cNvPr id="1" name="Shape 110"/>
-        <p:cNvGrpSpPr/>
-        <p:nvPr/>
-      </p:nvGrpSpPr>
-      <p:grpSpPr>
-        <a:xfrm>
-          <a:off x="0" y="0"/>
-          <a:ext cx="0" cy="0"/>
-          <a:chOff x="0" y="0"/>
-          <a:chExt cx="0" cy="0"/>
-        </a:xfrm>
-      </p:grpSpPr>
-      <p:sp>
-        <p:nvSpPr>
-          <p:cNvPr id="111" name="Google Shape;111;p17"/>
-          <p:cNvSpPr txBox="1">
-            <a:spLocks noGrp="1"/>
-          </p:cNvSpPr>
-          <p:nvPr>
-            <p:ph type="title"/>
-          </p:nvPr>
-        </p:nvSpPr>
-        <p:spPr>
-          <a:xfrm>
-            <a:off x="311700" y="410000"/>
-            <a:ext cx="8520600" cy="607800"/>
-          </a:xfrm>
-          <a:prstGeom prst="rect">
-            <a:avLst/>
-          </a:prstGeom>
-        </p:spPr>
-        <p:txBody>
-          <a:bodyPr spcFirstLastPara="1" wrap="square" lIns="91425" tIns="91425" rIns="91425" bIns="91425" anchor="t" anchorCtr="0">
-            <a:noAutofit/>
-          </a:bodyPr>
-          <a:lstStyle/>
-          <a:p>
-            <a:pPr marL="0" lvl="0" indent="0">
-              <a:spcBef>
-                <a:spcPts val="0"/>
-              </a:spcBef>
-              <a:spcAft>
-                <a:spcPts val="0"/>
-              </a:spcAft>
-              <a:buNone/>
-            </a:pPr>
-            <a:r>
-              <a:rPr lang="en-GB">
-                <a:latin typeface="Montserrat"/>
-                <a:ea typeface="Montserrat"/>
-                <a:cs typeface="Montserrat"/>
-                <a:sym typeface="Montserrat"/>
-              </a:rPr>
-              <a:t>Network Diagram</a:t>
-            </a:r>
-            <a:endParaRPr>
-              <a:latin typeface="Montserrat"/>
-              <a:ea typeface="Montserrat"/>
-              <a:cs typeface="Montserrat"/>
-              <a:sym typeface="Montserrat"/>
-            </a:endParaRPr>
-          </a:p>
-        </p:txBody>
-      </p:sp>
-      <p:pic>
-        <p:nvPicPr>
-          <p:cNvPr id="112" name="Google Shape;112;p17"/>
-          <p:cNvPicPr preferRelativeResize="0"/>
-          <p:nvPr/>
-        </p:nvPicPr>
-        <p:blipFill>
-          <a:blip r:embed="rId3">
-            <a:alphaModFix/>
-          </a:blip>
-          <a:stretch>
-            <a:fillRect/>
-          </a:stretch>
-        </p:blipFill>
-        <p:spPr>
-          <a:xfrm>
-            <a:off x="311700" y="1473500"/>
-            <a:ext cx="8520600" cy="1976400"/>
-          </a:xfrm>
-          <a:prstGeom prst="rect">
-            <a:avLst/>
-          </a:prstGeom>
-          <a:noFill/>
-          <a:ln>
-            <a:noFill/>
-          </a:ln>
-        </p:spPr>
-      </p:pic>
-    </p:spTree>
-  </p:cSld>
-  <p:clrMapOvr>
-    <a:masterClrMapping/>
-  </p:clrMapOvr>
-</p:sld>
-</file>
-
-<file path=ppt/slides/slide9.xml><?xml version="1.0" encoding="utf-8"?>
-<p:sld xmlns:a="http://schemas.openxmlformats.org/drawingml/2006/main" xmlns:r="http://schemas.openxmlformats.org/officeDocument/2006/relationships" xmlns:p="http://schemas.openxmlformats.org/presentationml/2006/main">
-  <p:cSld>
-    <p:spTree>
-      <p:nvGrpSpPr>
-        <p:cNvPr id="1" name="Shape 116"/>
-        <p:cNvGrpSpPr/>
-        <p:nvPr/>
-      </p:nvGrpSpPr>
-      <p:grpSpPr>
-        <a:xfrm>
-          <a:off x="0" y="0"/>
-          <a:ext cx="0" cy="0"/>
-          <a:chOff x="0" y="0"/>
-          <a:chExt cx="0" cy="0"/>
-        </a:xfrm>
-      </p:grpSpPr>
-      <p:sp>
-        <p:nvSpPr>
-          <p:cNvPr id="117" name="Google Shape;117;p18"/>
-          <p:cNvSpPr txBox="1">
-            <a:spLocks noGrp="1"/>
-          </p:cNvSpPr>
-          <p:nvPr>
-            <p:ph type="title"/>
-          </p:nvPr>
-        </p:nvSpPr>
-        <p:spPr>
-          <a:xfrm>
-            <a:off x="311700" y="410000"/>
-            <a:ext cx="8520600" cy="607800"/>
-          </a:xfrm>
-          <a:prstGeom prst="rect">
-            <a:avLst/>
-          </a:prstGeom>
-        </p:spPr>
-        <p:txBody>
-          <a:bodyPr spcFirstLastPara="1" wrap="square" lIns="91425" tIns="91425" rIns="91425" bIns="91425" anchor="t" anchorCtr="0">
-            <a:noAutofit/>
-          </a:bodyPr>
-          <a:lstStyle/>
-          <a:p>
-            <a:pPr marL="0" lvl="0" indent="0">
-              <a:spcBef>
-                <a:spcPts val="0"/>
-              </a:spcBef>
-              <a:spcAft>
-                <a:spcPts val="0"/>
-              </a:spcAft>
-              <a:buNone/>
-            </a:pPr>
-            <a:r>
-              <a:rPr lang="en-GB">
-                <a:latin typeface="Montserrat"/>
-                <a:ea typeface="Montserrat"/>
-                <a:cs typeface="Montserrat"/>
-                <a:sym typeface="Montserrat"/>
-              </a:rPr>
-              <a:t>Time and Work Allocation</a:t>
-            </a:r>
-            <a:endParaRPr>
-              <a:latin typeface="Montserrat"/>
-              <a:ea typeface="Montserrat"/>
-              <a:cs typeface="Montserrat"/>
-              <a:sym typeface="Montserrat"/>
-            </a:endParaRPr>
-          </a:p>
-        </p:txBody>
-      </p:sp>
-      <p:sp>
-        <p:nvSpPr>
-          <p:cNvPr id="118" name="Google Shape;118;p18"/>
-          <p:cNvSpPr txBox="1">
-            <a:spLocks noGrp="1"/>
-          </p:cNvSpPr>
-          <p:nvPr>
-            <p:ph type="body" idx="1"/>
-          </p:nvPr>
-        </p:nvSpPr>
-        <p:spPr>
-          <a:xfrm>
-            <a:off x="311700" y="1229875"/>
-            <a:ext cx="8520600" cy="3339000"/>
-          </a:xfrm>
-          <a:prstGeom prst="rect">
-            <a:avLst/>
-          </a:prstGeom>
-        </p:spPr>
-        <p:txBody>
-          <a:bodyPr spcFirstLastPara="1" wrap="square" lIns="91425" tIns="91425" rIns="91425" bIns="91425" anchor="t" anchorCtr="0">
-            <a:noAutofit/>
-          </a:bodyPr>
-          <a:lstStyle/>
-          <a:p>
-            <a:pPr marL="457200" lvl="0" indent="-342900" rtl="0">
-              <a:spcBef>
-                <a:spcPts val="0"/>
-              </a:spcBef>
-              <a:spcAft>
-                <a:spcPts val="0"/>
-              </a:spcAft>
-              <a:buSzPts val="1800"/>
-              <a:buChar char="●"/>
-            </a:pPr>
-            <a:r>
-              <a:rPr lang="en-GB"/>
-              <a:t>Work is split equally and fairly</a:t>
-            </a:r>
-            <a:endParaRPr/>
-          </a:p>
-          <a:p>
-            <a:pPr marL="914400" lvl="1" indent="-317500" rtl="0">
-              <a:spcBef>
-                <a:spcPts val="0"/>
-              </a:spcBef>
-              <a:spcAft>
-                <a:spcPts val="0"/>
-              </a:spcAft>
-              <a:buSzPts val="1400"/>
-              <a:buChar char="○"/>
-            </a:pPr>
-            <a:r>
-              <a:rPr lang="en-GB"/>
-              <a:t>Allocated according to everyone’s strengths </a:t>
-            </a:r>
-            <a:endParaRPr/>
-          </a:p>
-          <a:p>
-            <a:pPr marL="914400" lvl="1" indent="-317500" rtl="0">
-              <a:spcBef>
-                <a:spcPts val="0"/>
-              </a:spcBef>
-              <a:spcAft>
-                <a:spcPts val="0"/>
-              </a:spcAft>
-              <a:buSzPts val="1400"/>
-              <a:buChar char="○"/>
-            </a:pPr>
-            <a:r>
-              <a:rPr lang="en-GB"/>
-              <a:t>Allocated with regard to the task’s difficulty</a:t>
-            </a:r>
-            <a:endParaRPr/>
-          </a:p>
-          <a:p>
-            <a:pPr marL="914400" lvl="1" indent="-317500" rtl="0">
-              <a:spcBef>
-                <a:spcPts val="0"/>
-              </a:spcBef>
-              <a:spcAft>
-                <a:spcPts val="0"/>
-              </a:spcAft>
-              <a:buSzPts val="1400"/>
-              <a:buChar char="○"/>
-            </a:pPr>
-            <a:r>
-              <a:rPr lang="en-GB"/>
-              <a:t>Allocated according to the estimated time taken</a:t>
-            </a:r>
-            <a:br>
-              <a:rPr lang="en-GB"/>
-            </a:br>
-            <a:endParaRPr/>
-          </a:p>
-          <a:p>
-            <a:pPr marL="457200" lvl="0" indent="-342900" rtl="0">
-              <a:spcBef>
-                <a:spcPts val="0"/>
-              </a:spcBef>
-              <a:spcAft>
-                <a:spcPts val="0"/>
-              </a:spcAft>
-              <a:buSzPts val="1800"/>
-              <a:buChar char="●"/>
-            </a:pPr>
-            <a:r>
-              <a:rPr lang="en-GB"/>
-              <a:t>Time is allocated according to the milestones and safety </a:t>
-            </a:r>
-            <a:endParaRPr/>
-          </a:p>
-          <a:p>
-            <a:pPr marL="914400" lvl="1" indent="-317500" rtl="0">
-              <a:spcBef>
-                <a:spcPts val="0"/>
-              </a:spcBef>
-              <a:spcAft>
-                <a:spcPts val="0"/>
-              </a:spcAft>
-              <a:buSzPts val="1400"/>
-              <a:buChar char="○"/>
-            </a:pPr>
-            <a:r>
-              <a:rPr lang="en-GB"/>
-              <a:t>Keep slack time for unplanned things/things going wrong</a:t>
-            </a:r>
-            <a:endParaRPr/>
-          </a:p>
-          <a:p>
-            <a:pPr marL="914400" lvl="1" indent="-317500" rtl="0">
-              <a:spcBef>
-                <a:spcPts val="0"/>
-              </a:spcBef>
-              <a:spcAft>
-                <a:spcPts val="0"/>
-              </a:spcAft>
-              <a:buSzPts val="1400"/>
-              <a:buChar char="○"/>
-            </a:pPr>
-            <a:r>
-              <a:rPr lang="en-GB"/>
-              <a:t>Tasks are time-managed so that the milestones are achieved comfortably</a:t>
-            </a:r>
-            <a:endParaRPr/>
-          </a:p>
-          <a:p>
-            <a:pPr marL="914400" lvl="1" indent="-317500" rtl="0">
-              <a:spcBef>
-                <a:spcPts val="0"/>
-              </a:spcBef>
-              <a:spcAft>
-                <a:spcPts val="0"/>
-              </a:spcAft>
-              <a:buSzPts val="1400"/>
-              <a:buChar char="○"/>
-            </a:pPr>
-            <a:r>
-              <a:rPr lang="en-GB"/>
-              <a:t>Interview preparation is also a task, which is allocated sufficient time before both interview phases</a:t>
-            </a:r>
-            <a:endParaRPr/>
-          </a:p>
-        </p:txBody>
-      </p:sp>
-      <p:pic>
-        <p:nvPicPr>
-          <p:cNvPr id="119" name="Google Shape;119;p18"/>
-          <p:cNvPicPr preferRelativeResize="0"/>
-          <p:nvPr/>
-        </p:nvPicPr>
-        <p:blipFill>
-          <a:blip r:embed="rId3">
-            <a:alphaModFix/>
-          </a:blip>
-          <a:stretch>
-            <a:fillRect/>
-          </a:stretch>
-        </p:blipFill>
-        <p:spPr>
-          <a:xfrm>
-            <a:off x="5821375" y="531850"/>
-            <a:ext cx="3010926" cy="2039900"/>
-          </a:xfrm>
-          <a:prstGeom prst="rect">
-            <a:avLst/>
-          </a:prstGeom>
-          <a:noFill/>
-          <a:ln>
-            <a:noFill/>
-          </a:ln>
-        </p:spPr>
-      </p:pic>
     </p:spTree>
   </p:cSld>
   <p:clrMapOvr>
